--- a/img/sponsors/jj_logo.pptx
+++ b/img/sponsors/jj_logo.pptx
@@ -104,6 +104,11 @@
       </a:defRPr>
     </a:lvl9pPr>
   </p:defaultTextStyle>
+  <p:extLst>
+    <p:ext uri="{EFAFB233-063F-42B5-8137-9DF3F51BA10A}">
+      <p15:sldGuideLst xmlns:p15="http://schemas.microsoft.com/office/powerpoint/2012/main"/>
+    </p:ext>
+  </p:extLst>
 </p:presentation>
 </file>
 
@@ -254,7 +259,7 @@
           <a:p>
             <a:fld id="{28FBE6AC-F8E3-4459-945B-393C97A4055E}" type="datetimeFigureOut">
               <a:rPr lang="en-US" smtClean="0"/>
-              <a:t>5/11/2020</a:t>
+              <a:t>5/15/2020</a:t>
             </a:fld>
             <a:endParaRPr lang="en-US"/>
           </a:p>
@@ -452,7 +457,7 @@
           <a:p>
             <a:fld id="{28FBE6AC-F8E3-4459-945B-393C97A4055E}" type="datetimeFigureOut">
               <a:rPr lang="en-US" smtClean="0"/>
-              <a:t>5/11/2020</a:t>
+              <a:t>5/15/2020</a:t>
             </a:fld>
             <a:endParaRPr lang="en-US"/>
           </a:p>
@@ -660,7 +665,7 @@
           <a:p>
             <a:fld id="{28FBE6AC-F8E3-4459-945B-393C97A4055E}" type="datetimeFigureOut">
               <a:rPr lang="en-US" smtClean="0"/>
-              <a:t>5/11/2020</a:t>
+              <a:t>5/15/2020</a:t>
             </a:fld>
             <a:endParaRPr lang="en-US"/>
           </a:p>
@@ -858,7 +863,7 @@
           <a:p>
             <a:fld id="{28FBE6AC-F8E3-4459-945B-393C97A4055E}" type="datetimeFigureOut">
               <a:rPr lang="en-US" smtClean="0"/>
-              <a:t>5/11/2020</a:t>
+              <a:t>5/15/2020</a:t>
             </a:fld>
             <a:endParaRPr lang="en-US"/>
           </a:p>
@@ -1133,7 +1138,7 @@
           <a:p>
             <a:fld id="{28FBE6AC-F8E3-4459-945B-393C97A4055E}" type="datetimeFigureOut">
               <a:rPr lang="en-US" smtClean="0"/>
-              <a:t>5/11/2020</a:t>
+              <a:t>5/15/2020</a:t>
             </a:fld>
             <a:endParaRPr lang="en-US"/>
           </a:p>
@@ -1398,7 +1403,7 @@
           <a:p>
             <a:fld id="{28FBE6AC-F8E3-4459-945B-393C97A4055E}" type="datetimeFigureOut">
               <a:rPr lang="en-US" smtClean="0"/>
-              <a:t>5/11/2020</a:t>
+              <a:t>5/15/2020</a:t>
             </a:fld>
             <a:endParaRPr lang="en-US"/>
           </a:p>
@@ -1810,7 +1815,7 @@
           <a:p>
             <a:fld id="{28FBE6AC-F8E3-4459-945B-393C97A4055E}" type="datetimeFigureOut">
               <a:rPr lang="en-US" smtClean="0"/>
-              <a:t>5/11/2020</a:t>
+              <a:t>5/15/2020</a:t>
             </a:fld>
             <a:endParaRPr lang="en-US"/>
           </a:p>
@@ -1951,7 +1956,7 @@
           <a:p>
             <a:fld id="{28FBE6AC-F8E3-4459-945B-393C97A4055E}" type="datetimeFigureOut">
               <a:rPr lang="en-US" smtClean="0"/>
-              <a:t>5/11/2020</a:t>
+              <a:t>5/15/2020</a:t>
             </a:fld>
             <a:endParaRPr lang="en-US"/>
           </a:p>
@@ -2064,7 +2069,7 @@
           <a:p>
             <a:fld id="{28FBE6AC-F8E3-4459-945B-393C97A4055E}" type="datetimeFigureOut">
               <a:rPr lang="en-US" smtClean="0"/>
-              <a:t>5/11/2020</a:t>
+              <a:t>5/15/2020</a:t>
             </a:fld>
             <a:endParaRPr lang="en-US"/>
           </a:p>
@@ -2375,7 +2380,7 @@
           <a:p>
             <a:fld id="{28FBE6AC-F8E3-4459-945B-393C97A4055E}" type="datetimeFigureOut">
               <a:rPr lang="en-US" smtClean="0"/>
-              <a:t>5/11/2020</a:t>
+              <a:t>5/15/2020</a:t>
             </a:fld>
             <a:endParaRPr lang="en-US"/>
           </a:p>
@@ -2663,7 +2668,7 @@
           <a:p>
             <a:fld id="{28FBE6AC-F8E3-4459-945B-393C97A4055E}" type="datetimeFigureOut">
               <a:rPr lang="en-US" smtClean="0"/>
-              <a:t>5/11/2020</a:t>
+              <a:t>5/15/2020</a:t>
             </a:fld>
             <a:endParaRPr lang="en-US"/>
           </a:p>
@@ -2904,7 +2909,7 @@
           <a:p>
             <a:fld id="{28FBE6AC-F8E3-4459-945B-393C97A4055E}" type="datetimeFigureOut">
               <a:rPr lang="en-US" smtClean="0"/>
-              <a:t>5/11/2020</a:t>
+              <a:t>5/15/2020</a:t>
             </a:fld>
             <a:endParaRPr lang="en-US"/>
           </a:p>
@@ -3360,8 +3365,8 @@
         </p:blipFill>
         <p:spPr>
           <a:xfrm>
-            <a:off x="5120172" y="2652226"/>
-            <a:ext cx="1553547" cy="1553547"/>
+            <a:off x="5030724" y="2108532"/>
+            <a:ext cx="2130552" cy="2130552"/>
           </a:xfrm>
           <a:prstGeom prst="rect">
             <a:avLst/>
@@ -3382,8 +3387,8 @@
         </p:nvSpPr>
         <p:spPr>
           <a:xfrm>
-            <a:off x="3258715" y="3044276"/>
-            <a:ext cx="1861457" cy="769441"/>
+            <a:off x="1714072" y="2512088"/>
+            <a:ext cx="3316652" cy="1323439"/>
           </a:xfrm>
           <a:prstGeom prst="rect">
             <a:avLst/>
@@ -3397,7 +3402,7 @@
           <a:lstStyle/>
           <a:p>
             <a:r>
-              <a:rPr lang="en-US" sz="4400" dirty="0">
+              <a:rPr lang="en-US" sz="8000" dirty="0">
                 <a:latin typeface="Tw Cen MT" panose="020B0602020104020603" pitchFamily="34" charset="0"/>
               </a:rPr>
               <a:t>Jerome</a:t>
@@ -3419,8 +3424,8 @@
         </p:nvSpPr>
         <p:spPr>
           <a:xfrm>
-            <a:off x="6673719" y="3044276"/>
-            <a:ext cx="1861457" cy="769441"/>
+            <a:off x="7161276" y="2512087"/>
+            <a:ext cx="3359743" cy="1323439"/>
           </a:xfrm>
           <a:prstGeom prst="rect">
             <a:avLst/>
@@ -3434,7 +3439,7 @@
           <a:lstStyle/>
           <a:p>
             <a:r>
-              <a:rPr lang="en-US" sz="4400" dirty="0">
+              <a:rPr lang="en-US" sz="8000" dirty="0">
                 <a:latin typeface="Tw Cen MT" panose="020B0602020104020603" pitchFamily="34" charset="0"/>
               </a:rPr>
               <a:t>Journal</a:t>
@@ -3456,8 +3461,8 @@
         </p:nvSpPr>
         <p:spPr>
           <a:xfrm>
-            <a:off x="5396979" y="1868789"/>
-            <a:ext cx="999932" cy="769441"/>
+            <a:off x="5244747" y="785093"/>
+            <a:ext cx="1707503" cy="1323439"/>
           </a:xfrm>
           <a:prstGeom prst="rect">
             <a:avLst/>
@@ -3471,7 +3476,7 @@
           <a:lstStyle/>
           <a:p>
             <a:r>
-              <a:rPr lang="en-US" sz="4400" dirty="0">
+              <a:rPr lang="en-US" sz="8000" dirty="0">
                 <a:latin typeface="Tw Cen MT" panose="020B0602020104020603" pitchFamily="34" charset="0"/>
               </a:rPr>
               <a:t>The</a:t>
@@ -3493,8 +3498,8 @@
         </p:nvSpPr>
         <p:spPr>
           <a:xfrm>
-            <a:off x="4689796" y="4219769"/>
-            <a:ext cx="2414298" cy="830997"/>
+            <a:off x="3424166" y="4507610"/>
+            <a:ext cx="5343667" cy="1754326"/>
           </a:xfrm>
           <a:prstGeom prst="rect">
             <a:avLst/>
@@ -3509,36 +3514,36 @@
           <a:p>
             <a:pPr algn="ctr"/>
             <a:r>
-              <a:rPr lang="en-US" sz="2400" dirty="0">
+              <a:rPr lang="en-US" sz="5400" dirty="0">
                 <a:latin typeface="Tw Cen MT" panose="020B0602020104020603" pitchFamily="34" charset="0"/>
               </a:rPr>
               <a:t>News for </a:t>
             </a:r>
             <a:r>
-              <a:rPr lang="en-US" sz="2400" dirty="0" err="1">
+              <a:rPr lang="en-US" sz="5400" dirty="0" err="1">
                 <a:latin typeface="Tw Cen MT" panose="020B0602020104020603" pitchFamily="34" charset="0"/>
               </a:rPr>
               <a:t>Jeromes</a:t>
             </a:r>
-            <a:endParaRPr lang="en-US" sz="2400" dirty="0">
+            <a:endParaRPr lang="en-US" sz="5400" dirty="0">
               <a:latin typeface="Tw Cen MT" panose="020B0602020104020603" pitchFamily="34" charset="0"/>
             </a:endParaRPr>
           </a:p>
           <a:p>
             <a:pPr algn="ctr"/>
             <a:r>
-              <a:rPr lang="en-US" sz="2400" dirty="0">
+              <a:rPr lang="en-US" sz="5400" dirty="0">
                 <a:latin typeface="Tw Cen MT" panose="020B0602020104020603" pitchFamily="34" charset="0"/>
               </a:rPr>
               <a:t>By </a:t>
             </a:r>
             <a:r>
-              <a:rPr lang="en-US" sz="2400" dirty="0" err="1">
+              <a:rPr lang="en-US" sz="5400" dirty="0" err="1">
                 <a:latin typeface="Tw Cen MT" panose="020B0602020104020603" pitchFamily="34" charset="0"/>
               </a:rPr>
               <a:t>Jeromes</a:t>
             </a:r>
-            <a:endParaRPr lang="en-US" sz="2400" dirty="0">
+            <a:endParaRPr lang="en-US" sz="5400" dirty="0">
               <a:latin typeface="Tw Cen MT" panose="020B0602020104020603" pitchFamily="34" charset="0"/>
             </a:endParaRPr>
           </a:p>
